--- a/activities/2023_07_01_春松客服社区会议/2023_07_01_春松客服社区会议_海报.pptx
+++ b/activities/2023_07_01_春松客服社区会议/2023_07_01_春松客服社区会议_海报.pptx
@@ -6,6 +6,7 @@
   </p:sldMasterIdLst>
   <p:sldIdLst>
     <p:sldId id="256" r:id="rId2"/>
+    <p:sldId id="257" r:id="rId3"/>
   </p:sldIdLst>
   <p:sldSz cx="9875838" cy="5851525"/>
   <p:notesSz cx="6858000" cy="9144000"/>
@@ -357,7 +358,7 @@
           <a:p>
             <a:fld id="{3A62DE47-5953-4315-91E3-B19830F018EF}" type="datetimeFigureOut">
               <a:rPr lang="en-US" smtClean="0"/>
-              <a:t>6/18/2023</a:t>
+              <a:t>6/19/2023</a:t>
             </a:fld>
             <a:endParaRPr lang="en-US"/>
           </a:p>
@@ -619,7 +620,7 @@
           <a:p>
             <a:fld id="{3A62DE47-5953-4315-91E3-B19830F018EF}" type="datetimeFigureOut">
               <a:rPr lang="en-US" smtClean="0"/>
-              <a:t>6/18/2023</a:t>
+              <a:t>6/19/2023</a:t>
             </a:fld>
             <a:endParaRPr lang="en-US"/>
           </a:p>
@@ -854,7 +855,7 @@
           <a:p>
             <a:fld id="{3A62DE47-5953-4315-91E3-B19830F018EF}" type="datetimeFigureOut">
               <a:rPr lang="en-US" smtClean="0"/>
-              <a:t>6/18/2023</a:t>
+              <a:t>6/19/2023</a:t>
             </a:fld>
             <a:endParaRPr lang="en-US"/>
           </a:p>
@@ -1094,7 +1095,7 @@
           <a:p>
             <a:fld id="{3A62DE47-5953-4315-91E3-B19830F018EF}" type="datetimeFigureOut">
               <a:rPr lang="en-US" smtClean="0"/>
-              <a:t>6/18/2023</a:t>
+              <a:t>6/19/2023</a:t>
             </a:fld>
             <a:endParaRPr lang="en-US"/>
           </a:p>
@@ -1401,7 +1402,7 @@
           <a:p>
             <a:fld id="{3A62DE47-5953-4315-91E3-B19830F018EF}" type="datetimeFigureOut">
               <a:rPr lang="en-US" smtClean="0"/>
-              <a:t>6/18/2023</a:t>
+              <a:t>6/19/2023</a:t>
             </a:fld>
             <a:endParaRPr lang="en-US"/>
           </a:p>
@@ -1703,7 +1704,7 @@
           <a:p>
             <a:fld id="{3A62DE47-5953-4315-91E3-B19830F018EF}" type="datetimeFigureOut">
               <a:rPr lang="en-US" smtClean="0"/>
-              <a:t>6/18/2023</a:t>
+              <a:t>6/19/2023</a:t>
             </a:fld>
             <a:endParaRPr lang="en-US"/>
           </a:p>
@@ -2125,7 +2126,7 @@
           <a:p>
             <a:fld id="{3A62DE47-5953-4315-91E3-B19830F018EF}" type="datetimeFigureOut">
               <a:rPr lang="en-US" smtClean="0"/>
-              <a:t>6/18/2023</a:t>
+              <a:t>6/19/2023</a:t>
             </a:fld>
             <a:endParaRPr lang="en-US"/>
           </a:p>
@@ -2220,7 +2221,7 @@
           <a:p>
             <a:fld id="{3A62DE47-5953-4315-91E3-B19830F018EF}" type="datetimeFigureOut">
               <a:rPr lang="en-US" smtClean="0"/>
-              <a:t>6/18/2023</a:t>
+              <a:t>6/19/2023</a:t>
             </a:fld>
             <a:endParaRPr lang="en-US"/>
           </a:p>
@@ -2382,7 +2383,7 @@
           <a:p>
             <a:fld id="{3A62DE47-5953-4315-91E3-B19830F018EF}" type="datetimeFigureOut">
               <a:rPr lang="en-US" smtClean="0"/>
-              <a:t>6/18/2023</a:t>
+              <a:t>6/19/2023</a:t>
             </a:fld>
             <a:endParaRPr lang="en-US"/>
           </a:p>
@@ -2760,7 +2761,7 @@
           <a:p>
             <a:fld id="{3A62DE47-5953-4315-91E3-B19830F018EF}" type="datetimeFigureOut">
               <a:rPr lang="en-US" smtClean="0"/>
-              <a:t>6/18/2023</a:t>
+              <a:t>6/19/2023</a:t>
             </a:fld>
             <a:endParaRPr lang="en-US"/>
           </a:p>
@@ -3049,7 +3050,7 @@
           <a:p>
             <a:fld id="{3A62DE47-5953-4315-91E3-B19830F018EF}" type="datetimeFigureOut">
               <a:rPr lang="en-US" smtClean="0"/>
-              <a:t>6/18/2023</a:t>
+              <a:t>6/19/2023</a:t>
             </a:fld>
             <a:endParaRPr lang="en-US"/>
           </a:p>
@@ -3260,7 +3261,7 @@
           <a:p>
             <a:fld id="{3A62DE47-5953-4315-91E3-B19830F018EF}" type="datetimeFigureOut">
               <a:rPr lang="en-US" smtClean="0"/>
-              <a:t>6/18/2023</a:t>
+              <a:t>6/19/2023</a:t>
             </a:fld>
             <a:endParaRPr lang="en-US"/>
           </a:p>
@@ -4042,6 +4043,668 @@
 </p:sld>
 </file>
 
+<file path=ppt/slides/slide2.xml><?xml version="1.0" encoding="utf-8"?>
+<p:sld xmlns:a="http://schemas.openxmlformats.org/drawingml/2006/main" xmlns:r="http://schemas.openxmlformats.org/officeDocument/2006/relationships" xmlns:p="http://schemas.openxmlformats.org/presentationml/2006/main">
+  <p:cSld>
+    <p:bg>
+      <p:bgPr>
+        <a:solidFill>
+          <a:schemeClr val="bg1"/>
+        </a:solidFill>
+        <a:effectLst/>
+      </p:bgPr>
+    </p:bg>
+    <p:spTree>
+      <p:nvGrpSpPr>
+        <p:cNvPr id="1" name=""/>
+        <p:cNvGrpSpPr/>
+        <p:nvPr/>
+      </p:nvGrpSpPr>
+      <p:grpSpPr>
+        <a:xfrm>
+          <a:off x="0" y="0"/>
+          <a:ext cx="0" cy="0"/>
+          <a:chOff x="0" y="0"/>
+          <a:chExt cx="0" cy="0"/>
+        </a:xfrm>
+      </p:grpSpPr>
+      <p:sp>
+        <p:nvSpPr>
+          <p:cNvPr id="15" name="Rectangle 14">
+            <a:extLst>
+              <a:ext uri="{FF2B5EF4-FFF2-40B4-BE49-F238E27FC236}">
+                <a16:creationId xmlns:a16="http://schemas.microsoft.com/office/drawing/2014/main" id="{7A1EB241-0852-428A-8A50-67737CA93843}"/>
+              </a:ext>
+              <a:ext uri="{C183D7F6-B498-43B3-948B-1728B52AA6E4}">
+                <adec:decorative xmlns:adec="http://schemas.microsoft.com/office/drawing/2017/decorative" val="1"/>
+              </a:ext>
+            </a:extLst>
+          </p:cNvPr>
+          <p:cNvSpPr>
+            <a:spLocks noGrp="1" noRot="1" noChangeAspect="1" noMove="1" noResize="1" noEditPoints="1" noAdjustHandles="1" noChangeArrowheads="1" noChangeShapeType="1" noTextEdit="1"/>
+          </p:cNvSpPr>
+          <p:nvPr>
+            <p:extLst>
+              <p:ext uri="{386F3935-93C4-4BCD-93E2-E3B085C9AB24}">
+                <p16:designElem xmlns:p16="http://schemas.microsoft.com/office/powerpoint/2015/main" val="1"/>
+              </p:ext>
+            </p:extLst>
+          </p:nvPr>
+        </p:nvSpPr>
+        <p:spPr>
+          <a:xfrm>
+            <a:off x="361704" y="390101"/>
+            <a:ext cx="2999785" cy="81055"/>
+          </a:xfrm>
+          <a:prstGeom prst="rect">
+            <a:avLst/>
+          </a:prstGeom>
+          <a:solidFill>
+            <a:schemeClr val="accent1"/>
+          </a:solidFill>
+          <a:ln>
+            <a:noFill/>
+          </a:ln>
+          <a:effectLst/>
+        </p:spPr>
+        <p:style>
+          <a:lnRef idx="1">
+            <a:schemeClr val="accent1"/>
+          </a:lnRef>
+          <a:fillRef idx="3">
+            <a:schemeClr val="accent1"/>
+          </a:fillRef>
+          <a:effectRef idx="2">
+            <a:schemeClr val="accent1"/>
+          </a:effectRef>
+          <a:fontRef idx="minor">
+            <a:schemeClr val="lt1"/>
+          </a:fontRef>
+        </p:style>
+      </p:sp>
+      <p:sp>
+        <p:nvSpPr>
+          <p:cNvPr id="17" name="Rectangle 16">
+            <a:extLst>
+              <a:ext uri="{FF2B5EF4-FFF2-40B4-BE49-F238E27FC236}">
+                <a16:creationId xmlns:a16="http://schemas.microsoft.com/office/drawing/2014/main" id="{7A23EDC2-E1E5-4C5D-9C74-714516AF52DC}"/>
+              </a:ext>
+              <a:ext uri="{C183D7F6-B498-43B3-948B-1728B52AA6E4}">
+                <adec:decorative xmlns:adec="http://schemas.microsoft.com/office/drawing/2017/decorative" val="1"/>
+              </a:ext>
+            </a:extLst>
+          </p:cNvPr>
+          <p:cNvSpPr>
+            <a:spLocks noGrp="1" noRot="1" noChangeAspect="1" noMove="1" noResize="1" noEditPoints="1" noAdjustHandles="1" noChangeArrowheads="1" noChangeShapeType="1" noTextEdit="1"/>
+          </p:cNvSpPr>
+          <p:nvPr>
+            <p:extLst>
+              <p:ext uri="{386F3935-93C4-4BCD-93E2-E3B085C9AB24}">
+                <p16:designElem xmlns:p16="http://schemas.microsoft.com/office/powerpoint/2015/main" val="1"/>
+              </p:ext>
+            </p:extLst>
+          </p:nvPr>
+        </p:nvSpPr>
+        <p:spPr>
+          <a:xfrm>
+            <a:off x="6514348" y="387066"/>
+            <a:ext cx="2999786" cy="84090"/>
+          </a:xfrm>
+          <a:prstGeom prst="rect">
+            <a:avLst/>
+          </a:prstGeom>
+          <a:solidFill>
+            <a:schemeClr val="accent4"/>
+          </a:solidFill>
+          <a:ln>
+            <a:noFill/>
+          </a:ln>
+          <a:effectLst/>
+        </p:spPr>
+        <p:style>
+          <a:lnRef idx="1">
+            <a:schemeClr val="accent1"/>
+          </a:lnRef>
+          <a:fillRef idx="3">
+            <a:schemeClr val="accent1"/>
+          </a:fillRef>
+          <a:effectRef idx="2">
+            <a:schemeClr val="accent1"/>
+          </a:effectRef>
+          <a:fontRef idx="minor">
+            <a:schemeClr val="lt1"/>
+          </a:fontRef>
+        </p:style>
+      </p:sp>
+      <p:sp>
+        <p:nvSpPr>
+          <p:cNvPr id="19" name="Rectangle 18">
+            <a:extLst>
+              <a:ext uri="{FF2B5EF4-FFF2-40B4-BE49-F238E27FC236}">
+                <a16:creationId xmlns:a16="http://schemas.microsoft.com/office/drawing/2014/main" id="{B2781548-0E4F-4401-A909-82EDF50DBED7}"/>
+              </a:ext>
+              <a:ext uri="{C183D7F6-B498-43B3-948B-1728B52AA6E4}">
+                <adec:decorative xmlns:adec="http://schemas.microsoft.com/office/drawing/2017/decorative" val="1"/>
+              </a:ext>
+            </a:extLst>
+          </p:cNvPr>
+          <p:cNvSpPr>
+            <a:spLocks noGrp="1" noRot="1" noChangeAspect="1" noMove="1" noResize="1" noEditPoints="1" noAdjustHandles="1" noChangeArrowheads="1" noChangeShapeType="1" noTextEdit="1"/>
+          </p:cNvSpPr>
+          <p:nvPr>
+            <p:extLst>
+              <p:ext uri="{386F3935-93C4-4BCD-93E2-E3B085C9AB24}">
+                <p16:designElem xmlns:p16="http://schemas.microsoft.com/office/powerpoint/2015/main" val="1"/>
+              </p:ext>
+            </p:extLst>
+          </p:nvPr>
+        </p:nvSpPr>
+        <p:spPr>
+          <a:xfrm>
+            <a:off x="3435992" y="390101"/>
+            <a:ext cx="2999786" cy="78021"/>
+          </a:xfrm>
+          <a:prstGeom prst="rect">
+            <a:avLst/>
+          </a:prstGeom>
+          <a:solidFill>
+            <a:schemeClr val="accent2"/>
+          </a:solidFill>
+          <a:ln>
+            <a:noFill/>
+          </a:ln>
+          <a:effectLst/>
+        </p:spPr>
+        <p:style>
+          <a:lnRef idx="1">
+            <a:schemeClr val="accent1"/>
+          </a:lnRef>
+          <a:fillRef idx="3">
+            <a:schemeClr val="accent1"/>
+          </a:fillRef>
+          <a:effectRef idx="2">
+            <a:schemeClr val="accent1"/>
+          </a:effectRef>
+          <a:fontRef idx="minor">
+            <a:schemeClr val="lt1"/>
+          </a:fontRef>
+        </p:style>
+      </p:sp>
+      <p:sp>
+        <p:nvSpPr>
+          <p:cNvPr id="21" name="Rectangle 20">
+            <a:extLst>
+              <a:ext uri="{FF2B5EF4-FFF2-40B4-BE49-F238E27FC236}">
+                <a16:creationId xmlns:a16="http://schemas.microsoft.com/office/drawing/2014/main" id="{33030110-5A0B-4476-9070-A890E1987977}"/>
+              </a:ext>
+              <a:ext uri="{C183D7F6-B498-43B3-948B-1728B52AA6E4}">
+                <adec:decorative xmlns:adec="http://schemas.microsoft.com/office/drawing/2017/decorative" val="1"/>
+              </a:ext>
+            </a:extLst>
+          </p:cNvPr>
+          <p:cNvSpPr>
+            <a:spLocks noGrp="1" noRot="1" noChangeAspect="1" noMove="1" noResize="1" noEditPoints="1" noAdjustHandles="1" noChangeArrowheads="1" noChangeShapeType="1" noTextEdit="1"/>
+          </p:cNvSpPr>
+          <p:nvPr>
+            <p:extLst>
+              <p:ext uri="{386F3935-93C4-4BCD-93E2-E3B085C9AB24}">
+                <p16:designElem xmlns:p16="http://schemas.microsoft.com/office/powerpoint/2015/main" val="1"/>
+              </p:ext>
+            </p:extLst>
+          </p:nvPr>
+        </p:nvSpPr>
+        <p:spPr>
+          <a:xfrm>
+            <a:off x="361704" y="2632900"/>
+            <a:ext cx="9123214" cy="2819790"/>
+          </a:xfrm>
+          <a:prstGeom prst="rect">
+            <a:avLst/>
+          </a:prstGeom>
+          <a:solidFill>
+            <a:schemeClr val="accent1"/>
+          </a:solidFill>
+          <a:ln>
+            <a:noFill/>
+          </a:ln>
+          <a:effectLst/>
+        </p:spPr>
+        <p:style>
+          <a:lnRef idx="1">
+            <a:schemeClr val="accent1"/>
+          </a:lnRef>
+          <a:fillRef idx="3">
+            <a:schemeClr val="accent1"/>
+          </a:fillRef>
+          <a:effectRef idx="2">
+            <a:schemeClr val="accent1"/>
+          </a:effectRef>
+          <a:fontRef idx="minor">
+            <a:schemeClr val="lt1"/>
+          </a:fontRef>
+        </p:style>
+      </p:sp>
+      <p:sp useBgFill="1">
+        <p:nvSpPr>
+          <p:cNvPr id="23" name="Rectangle 22">
+            <a:extLst>
+              <a:ext uri="{FF2B5EF4-FFF2-40B4-BE49-F238E27FC236}">
+                <a16:creationId xmlns:a16="http://schemas.microsoft.com/office/drawing/2014/main" id="{E2DC8D92-CAB7-45C8-9936-69C229A0BA2A}"/>
+              </a:ext>
+              <a:ext uri="{C183D7F6-B498-43B3-948B-1728B52AA6E4}">
+                <adec:decorative xmlns:adec="http://schemas.microsoft.com/office/drawing/2017/decorative" val="1"/>
+              </a:ext>
+            </a:extLst>
+          </p:cNvPr>
+          <p:cNvSpPr>
+            <a:spLocks noGrp="1" noRot="1" noChangeAspect="1" noMove="1" noResize="1" noEditPoints="1" noAdjustHandles="1" noChangeArrowheads="1" noChangeShapeType="1" noTextEdit="1"/>
+          </p:cNvSpPr>
+          <p:nvPr>
+            <p:extLst>
+              <p:ext uri="{386F3935-93C4-4BCD-93E2-E3B085C9AB24}">
+                <p16:designElem xmlns:p16="http://schemas.microsoft.com/office/powerpoint/2015/main" val="1"/>
+              </p:ext>
+            </p:extLst>
+          </p:nvPr>
+        </p:nvSpPr>
+        <p:spPr>
+          <a:xfrm>
+            <a:off x="0" y="617660"/>
+            <a:ext cx="9875837" cy="5233865"/>
+          </a:xfrm>
+          <a:prstGeom prst="rect">
+            <a:avLst/>
+          </a:prstGeom>
+          <a:ln>
+            <a:noFill/>
+          </a:ln>
+        </p:spPr>
+        <p:style>
+          <a:lnRef idx="2">
+            <a:schemeClr val="accent1">
+              <a:shade val="50000"/>
+            </a:schemeClr>
+          </a:lnRef>
+          <a:fillRef idx="1">
+            <a:schemeClr val="accent1"/>
+          </a:fillRef>
+          <a:effectRef idx="0">
+            <a:schemeClr val="accent1"/>
+          </a:effectRef>
+          <a:fontRef idx="minor">
+            <a:schemeClr val="lt1"/>
+          </a:fontRef>
+        </p:style>
+        <p:txBody>
+          <a:bodyPr rtlCol="0" anchor="ctr"/>
+          <a:lstStyle/>
+          <a:p>
+            <a:pPr algn="ctr"/>
+            <a:endParaRPr lang="en-US"/>
+          </a:p>
+        </p:txBody>
+      </p:sp>
+      <p:sp>
+        <p:nvSpPr>
+          <p:cNvPr id="4" name="文本框 3">
+            <a:extLst>
+              <a:ext uri="{FF2B5EF4-FFF2-40B4-BE49-F238E27FC236}">
+                <a16:creationId xmlns:a16="http://schemas.microsoft.com/office/drawing/2014/main" id="{42C7BC25-7D2D-66F0-0BD1-E95C9886D3A6}"/>
+              </a:ext>
+            </a:extLst>
+          </p:cNvPr>
+          <p:cNvSpPr txBox="1"/>
+          <p:nvPr/>
+        </p:nvSpPr>
+        <p:spPr>
+          <a:xfrm>
+            <a:off x="470779" y="3933524"/>
+            <a:ext cx="8905061" cy="1742170"/>
+          </a:xfrm>
+          <a:prstGeom prst="rect">
+            <a:avLst/>
+          </a:prstGeom>
+        </p:spPr>
+        <p:txBody>
+          <a:bodyPr vert="horz" lIns="91440" tIns="45720" rIns="91440" bIns="45720" rtlCol="0" anchor="b">
+            <a:normAutofit fontScale="92500" lnSpcReduction="10000"/>
+          </a:bodyPr>
+          <a:lstStyle/>
+          <a:p>
+            <a:pPr>
+              <a:lnSpc>
+                <a:spcPct val="170000"/>
+              </a:lnSpc>
+              <a:spcBef>
+                <a:spcPct val="0"/>
+              </a:spcBef>
+              <a:spcAft>
+                <a:spcPts val="600"/>
+              </a:spcAft>
+            </a:pPr>
+            <a:r>
+              <a:rPr lang="zh-CN" altLang="en-US" sz="3600" cap="all" dirty="0">
+                <a:solidFill>
+                  <a:schemeClr val="accent1"/>
+                </a:solidFill>
+                <a:latin typeface="思源黑体 CN Heavy" panose="020B0A00000000000000" pitchFamily="34" charset="-122"/>
+                <a:ea typeface="思源黑体 CN Heavy" panose="020B0A00000000000000" pitchFamily="34" charset="-122"/>
+                <a:cs typeface="+mj-cs"/>
+              </a:rPr>
+              <a:t>春松客服 </a:t>
+            </a:r>
+            <a:r>
+              <a:rPr lang="en-US" altLang="zh-CN" sz="3600" cap="all" dirty="0">
+                <a:solidFill>
+                  <a:schemeClr val="accent1"/>
+                </a:solidFill>
+                <a:latin typeface="思源黑体 CN Heavy" panose="020B0A00000000000000" pitchFamily="34" charset="-122"/>
+                <a:ea typeface="思源黑体 CN Heavy" panose="020B0A00000000000000" pitchFamily="34" charset="-122"/>
+                <a:cs typeface="+mj-cs"/>
+              </a:rPr>
+              <a:t>v8 </a:t>
+            </a:r>
+            <a:r>
+              <a:rPr lang="zh-CN" altLang="en-US" sz="3600" cap="all" dirty="0">
+                <a:solidFill>
+                  <a:schemeClr val="accent1"/>
+                </a:solidFill>
+                <a:latin typeface="思源黑体 CN Heavy" panose="020B0A00000000000000" pitchFamily="34" charset="-122"/>
+                <a:ea typeface="思源黑体 CN Heavy" panose="020B0A00000000000000" pitchFamily="34" charset="-122"/>
+                <a:cs typeface="+mj-cs"/>
+              </a:rPr>
+              <a:t>新版本 </a:t>
+            </a:r>
+            <a:r>
+              <a:rPr lang="en-US" altLang="zh-CN" sz="3600" cap="all" dirty="0">
+                <a:solidFill>
+                  <a:schemeClr val="accent1"/>
+                </a:solidFill>
+                <a:latin typeface="思源黑体 CN Heavy" panose="020B0A00000000000000" pitchFamily="34" charset="-122"/>
+                <a:ea typeface="思源黑体 CN Heavy" panose="020B0A00000000000000" pitchFamily="34" charset="-122"/>
+                <a:cs typeface="+mj-cs"/>
+              </a:rPr>
+              <a:t>2023-07-01</a:t>
+            </a:r>
+            <a:r>
+              <a:rPr lang="zh-CN" altLang="en-US" sz="3600" cap="all" dirty="0">
+                <a:solidFill>
+                  <a:schemeClr val="accent1"/>
+                </a:solidFill>
+                <a:latin typeface="思源黑体 CN Heavy" panose="020B0A00000000000000" pitchFamily="34" charset="-122"/>
+                <a:ea typeface="思源黑体 CN Heavy" panose="020B0A00000000000000" pitchFamily="34" charset="-122"/>
+                <a:cs typeface="+mj-cs"/>
+              </a:rPr>
+              <a:t>（周六）</a:t>
+            </a:r>
+            <a:r>
+              <a:rPr lang="en-US" altLang="zh-CN" sz="3600" cap="all" dirty="0">
+                <a:solidFill>
+                  <a:schemeClr val="accent1"/>
+                </a:solidFill>
+                <a:latin typeface="思源黑体 CN Heavy" panose="020B0A00000000000000" pitchFamily="34" charset="-122"/>
+                <a:ea typeface="思源黑体 CN Heavy" panose="020B0A00000000000000" pitchFamily="34" charset="-122"/>
+                <a:cs typeface="+mj-cs"/>
+              </a:rPr>
+              <a:t> </a:t>
+            </a:r>
+            <a:r>
+              <a:rPr lang="zh-CN" altLang="en-US" sz="3600" cap="all" dirty="0">
+                <a:solidFill>
+                  <a:schemeClr val="accent1"/>
+                </a:solidFill>
+                <a:latin typeface="思源黑体 CN Heavy" panose="020B0A00000000000000" pitchFamily="34" charset="-122"/>
+                <a:ea typeface="思源黑体 CN Heavy" panose="020B0A00000000000000" pitchFamily="34" charset="-122"/>
+                <a:cs typeface="+mj-cs"/>
+              </a:rPr>
+              <a:t>下午</a:t>
+            </a:r>
+            <a:endParaRPr lang="en-US" altLang="zh-CN" sz="3600" cap="all" dirty="0">
+              <a:solidFill>
+                <a:schemeClr val="accent1"/>
+              </a:solidFill>
+              <a:latin typeface="思源黑体 CN Heavy" panose="020B0A00000000000000" pitchFamily="34" charset="-122"/>
+              <a:ea typeface="思源黑体 CN Heavy" panose="020B0A00000000000000" pitchFamily="34" charset="-122"/>
+              <a:cs typeface="+mj-cs"/>
+            </a:endParaRPr>
+          </a:p>
+          <a:p>
+            <a:pPr>
+              <a:lnSpc>
+                <a:spcPct val="170000"/>
+              </a:lnSpc>
+              <a:spcBef>
+                <a:spcPct val="0"/>
+              </a:spcBef>
+              <a:spcAft>
+                <a:spcPts val="600"/>
+              </a:spcAft>
+            </a:pPr>
+            <a:r>
+              <a:rPr lang="zh-CN" altLang="en-US" sz="3600" cap="all" dirty="0">
+                <a:solidFill>
+                  <a:schemeClr val="accent1"/>
+                </a:solidFill>
+                <a:latin typeface="思源黑体 CN Heavy" panose="020B0A00000000000000" pitchFamily="34" charset="-122"/>
+                <a:ea typeface="思源黑体 CN Heavy" panose="020B0A00000000000000" pitchFamily="34" charset="-122"/>
+                <a:cs typeface="+mj-cs"/>
+              </a:rPr>
+              <a:t>线上会议（腾讯会议）</a:t>
+            </a:r>
+          </a:p>
+        </p:txBody>
+      </p:sp>
+      <p:pic>
+        <p:nvPicPr>
+          <p:cNvPr id="6" name="图片 5" descr="图片包含 游戏机, 飞机&#10;&#10;描述已自动生成">
+            <a:extLst>
+              <a:ext uri="{FF2B5EF4-FFF2-40B4-BE49-F238E27FC236}">
+                <a16:creationId xmlns:a16="http://schemas.microsoft.com/office/drawing/2014/main" id="{76EFA8A4-644F-D5F7-2632-52D623A622DC}"/>
+              </a:ext>
+            </a:extLst>
+          </p:cNvPr>
+          <p:cNvPicPr>
+            <a:picLocks noChangeAspect="1"/>
+          </p:cNvPicPr>
+          <p:nvPr/>
+        </p:nvPicPr>
+        <p:blipFill>
+          <a:blip r:embed="rId2">
+            <a:extLst>
+              <a:ext uri="{28A0092B-C50C-407E-A947-70E740481C1C}">
+                <a14:useLocalDpi xmlns:a14="http://schemas.microsoft.com/office/drawing/2010/main" val="0"/>
+              </a:ext>
+            </a:extLst>
+          </a:blip>
+          <a:stretch>
+            <a:fillRect/>
+          </a:stretch>
+        </p:blipFill>
+        <p:spPr>
+          <a:xfrm>
+            <a:off x="629905" y="944851"/>
+            <a:ext cx="2456968" cy="2321834"/>
+          </a:xfrm>
+          <a:prstGeom prst="rect">
+            <a:avLst/>
+          </a:prstGeom>
+        </p:spPr>
+      </p:pic>
+      <p:sp>
+        <p:nvSpPr>
+          <p:cNvPr id="25" name="Rectangle 24">
+            <a:extLst>
+              <a:ext uri="{FF2B5EF4-FFF2-40B4-BE49-F238E27FC236}">
+                <a16:creationId xmlns:a16="http://schemas.microsoft.com/office/drawing/2014/main" id="{B6E6FED9-C6D7-49DD-AA58-F92368718488}"/>
+              </a:ext>
+              <a:ext uri="{C183D7F6-B498-43B3-948B-1728B52AA6E4}">
+                <adec:decorative xmlns:adec="http://schemas.microsoft.com/office/drawing/2017/decorative" val="1"/>
+              </a:ext>
+            </a:extLst>
+          </p:cNvPr>
+          <p:cNvSpPr>
+            <a:spLocks noGrp="1" noRot="1" noChangeAspect="1" noMove="1" noResize="1" noEditPoints="1" noAdjustHandles="1" noChangeArrowheads="1" noChangeShapeType="1" noTextEdit="1"/>
+          </p:cNvSpPr>
+          <p:nvPr>
+            <p:extLst>
+              <p:ext uri="{386F3935-93C4-4BCD-93E2-E3B085C9AB24}">
+                <p16:designElem xmlns:p16="http://schemas.microsoft.com/office/powerpoint/2015/main" val="1"/>
+              </p:ext>
+            </p:extLst>
+          </p:nvPr>
+        </p:nvSpPr>
+        <p:spPr>
+          <a:xfrm>
+            <a:off x="361551" y="546820"/>
+            <a:ext cx="2999428" cy="3113634"/>
+          </a:xfrm>
+          <a:prstGeom prst="rect">
+            <a:avLst/>
+          </a:prstGeom>
+          <a:noFill/>
+          <a:ln w="19050">
+            <a:solidFill>
+              <a:schemeClr val="accent1"/>
+            </a:solidFill>
+          </a:ln>
+        </p:spPr>
+        <p:style>
+          <a:lnRef idx="2">
+            <a:schemeClr val="accent1">
+              <a:shade val="50000"/>
+            </a:schemeClr>
+          </a:lnRef>
+          <a:fillRef idx="1">
+            <a:schemeClr val="accent1"/>
+          </a:fillRef>
+          <a:effectRef idx="0">
+            <a:schemeClr val="accent1"/>
+          </a:effectRef>
+          <a:fontRef idx="minor">
+            <a:schemeClr val="lt1"/>
+          </a:fontRef>
+        </p:style>
+        <p:txBody>
+          <a:bodyPr rtlCol="0" anchor="ctr"/>
+          <a:lstStyle/>
+          <a:p>
+            <a:pPr algn="ctr"/>
+            <a:endParaRPr lang="en-US"/>
+          </a:p>
+        </p:txBody>
+      </p:sp>
+      <p:pic>
+        <p:nvPicPr>
+          <p:cNvPr id="3" name="图片 2" descr="QR 代码&#10;&#10;描述已自动生成">
+            <a:extLst>
+              <a:ext uri="{FF2B5EF4-FFF2-40B4-BE49-F238E27FC236}">
+                <a16:creationId xmlns:a16="http://schemas.microsoft.com/office/drawing/2014/main" id="{FDDE09F6-9AF3-3B8D-036E-18B90F67F9B8}"/>
+              </a:ext>
+            </a:extLst>
+          </p:cNvPr>
+          <p:cNvPicPr>
+            <a:picLocks noChangeAspect="1"/>
+          </p:cNvPicPr>
+          <p:nvPr/>
+        </p:nvPicPr>
+        <p:blipFill>
+          <a:blip r:embed="rId3">
+            <a:extLst>
+              <a:ext uri="{28A0092B-C50C-407E-A947-70E740481C1C}">
+                <a14:useLocalDpi xmlns:a14="http://schemas.microsoft.com/office/drawing/2010/main" val="0"/>
+              </a:ext>
+            </a:extLst>
+          </a:blip>
+          <a:stretch>
+            <a:fillRect/>
+          </a:stretch>
+        </p:blipFill>
+        <p:spPr>
+          <a:xfrm>
+            <a:off x="4138630" y="831144"/>
+            <a:ext cx="4656163" cy="2549249"/>
+          </a:xfrm>
+          <a:prstGeom prst="rect">
+            <a:avLst/>
+          </a:prstGeom>
+        </p:spPr>
+      </p:pic>
+      <p:sp>
+        <p:nvSpPr>
+          <p:cNvPr id="27" name="Rectangle 26">
+            <a:extLst>
+              <a:ext uri="{FF2B5EF4-FFF2-40B4-BE49-F238E27FC236}">
+                <a16:creationId xmlns:a16="http://schemas.microsoft.com/office/drawing/2014/main" id="{40E02B42-F9B8-4660-80F9-67A7464524EE}"/>
+              </a:ext>
+              <a:ext uri="{C183D7F6-B498-43B3-948B-1728B52AA6E4}">
+                <adec:decorative xmlns:adec="http://schemas.microsoft.com/office/drawing/2017/decorative" val="1"/>
+              </a:ext>
+            </a:extLst>
+          </p:cNvPr>
+          <p:cNvSpPr>
+            <a:spLocks noGrp="1" noRot="1" noChangeAspect="1" noMove="1" noResize="1" noEditPoints="1" noAdjustHandles="1" noChangeArrowheads="1" noChangeShapeType="1" noTextEdit="1"/>
+          </p:cNvSpPr>
+          <p:nvPr>
+            <p:extLst>
+              <p:ext uri="{386F3935-93C4-4BCD-93E2-E3B085C9AB24}">
+                <p16:designElem xmlns:p16="http://schemas.microsoft.com/office/powerpoint/2015/main" val="1"/>
+              </p:ext>
+            </p:extLst>
+          </p:nvPr>
+        </p:nvSpPr>
+        <p:spPr>
+          <a:xfrm>
+            <a:off x="3435633" y="546820"/>
+            <a:ext cx="6067909" cy="3113634"/>
+          </a:xfrm>
+          <a:prstGeom prst="rect">
+            <a:avLst/>
+          </a:prstGeom>
+          <a:noFill/>
+          <a:ln w="19050">
+            <a:solidFill>
+              <a:schemeClr val="accent4"/>
+            </a:solidFill>
+          </a:ln>
+        </p:spPr>
+        <p:style>
+          <a:lnRef idx="2">
+            <a:schemeClr val="accent1">
+              <a:shade val="50000"/>
+            </a:schemeClr>
+          </a:lnRef>
+          <a:fillRef idx="1">
+            <a:schemeClr val="accent1"/>
+          </a:fillRef>
+          <a:effectRef idx="0">
+            <a:schemeClr val="accent1"/>
+          </a:effectRef>
+          <a:fontRef idx="minor">
+            <a:schemeClr val="lt1"/>
+          </a:fontRef>
+        </p:style>
+        <p:txBody>
+          <a:bodyPr rtlCol="0" anchor="ctr"/>
+          <a:lstStyle/>
+          <a:p>
+            <a:pPr algn="ctr"/>
+            <a:endParaRPr lang="en-US"/>
+          </a:p>
+        </p:txBody>
+      </p:sp>
+    </p:spTree>
+    <p:extLst>
+      <p:ext uri="{BB962C8B-B14F-4D97-AF65-F5344CB8AC3E}">
+        <p14:creationId xmlns:p14="http://schemas.microsoft.com/office/powerpoint/2010/main" val="877962781"/>
+      </p:ext>
+    </p:extLst>
+  </p:cSld>
+  <p:clrMapOvr>
+    <a:masterClrMapping/>
+  </p:clrMapOvr>
+</p:sld>
+</file>
+
 <file path=ppt/theme/theme1.xml><?xml version="1.0" encoding="utf-8"?>
 <a:theme xmlns:a="http://schemas.openxmlformats.org/drawingml/2006/main" name="红利">
   <a:themeElements>

--- a/activities/2023_07_01_春松客服社区会议/2023_07_01_春松客服社区会议_海报.pptx
+++ b/activities/2023_07_01_春松客服社区会议/2023_07_01_春松客服社区会议_海报.pptx
@@ -358,7 +358,7 @@
           <a:p>
             <a:fld id="{3A62DE47-5953-4315-91E3-B19830F018EF}" type="datetimeFigureOut">
               <a:rPr lang="en-US" smtClean="0"/>
-              <a:t>6/19/2023</a:t>
+              <a:t>7/29/2023</a:t>
             </a:fld>
             <a:endParaRPr lang="en-US"/>
           </a:p>
@@ -620,7 +620,7 @@
           <a:p>
             <a:fld id="{3A62DE47-5953-4315-91E3-B19830F018EF}" type="datetimeFigureOut">
               <a:rPr lang="en-US" smtClean="0"/>
-              <a:t>6/19/2023</a:t>
+              <a:t>7/29/2023</a:t>
             </a:fld>
             <a:endParaRPr lang="en-US"/>
           </a:p>
@@ -855,7 +855,7 @@
           <a:p>
             <a:fld id="{3A62DE47-5953-4315-91E3-B19830F018EF}" type="datetimeFigureOut">
               <a:rPr lang="en-US" smtClean="0"/>
-              <a:t>6/19/2023</a:t>
+              <a:t>7/29/2023</a:t>
             </a:fld>
             <a:endParaRPr lang="en-US"/>
           </a:p>
@@ -1095,7 +1095,7 @@
           <a:p>
             <a:fld id="{3A62DE47-5953-4315-91E3-B19830F018EF}" type="datetimeFigureOut">
               <a:rPr lang="en-US" smtClean="0"/>
-              <a:t>6/19/2023</a:t>
+              <a:t>7/29/2023</a:t>
             </a:fld>
             <a:endParaRPr lang="en-US"/>
           </a:p>
@@ -1402,7 +1402,7 @@
           <a:p>
             <a:fld id="{3A62DE47-5953-4315-91E3-B19830F018EF}" type="datetimeFigureOut">
               <a:rPr lang="en-US" smtClean="0"/>
-              <a:t>6/19/2023</a:t>
+              <a:t>7/29/2023</a:t>
             </a:fld>
             <a:endParaRPr lang="en-US"/>
           </a:p>
@@ -1704,7 +1704,7 @@
           <a:p>
             <a:fld id="{3A62DE47-5953-4315-91E3-B19830F018EF}" type="datetimeFigureOut">
               <a:rPr lang="en-US" smtClean="0"/>
-              <a:t>6/19/2023</a:t>
+              <a:t>7/29/2023</a:t>
             </a:fld>
             <a:endParaRPr lang="en-US"/>
           </a:p>
@@ -2126,7 +2126,7 @@
           <a:p>
             <a:fld id="{3A62DE47-5953-4315-91E3-B19830F018EF}" type="datetimeFigureOut">
               <a:rPr lang="en-US" smtClean="0"/>
-              <a:t>6/19/2023</a:t>
+              <a:t>7/29/2023</a:t>
             </a:fld>
             <a:endParaRPr lang="en-US"/>
           </a:p>
@@ -2221,7 +2221,7 @@
           <a:p>
             <a:fld id="{3A62DE47-5953-4315-91E3-B19830F018EF}" type="datetimeFigureOut">
               <a:rPr lang="en-US" smtClean="0"/>
-              <a:t>6/19/2023</a:t>
+              <a:t>7/29/2023</a:t>
             </a:fld>
             <a:endParaRPr lang="en-US"/>
           </a:p>
@@ -2383,7 +2383,7 @@
           <a:p>
             <a:fld id="{3A62DE47-5953-4315-91E3-B19830F018EF}" type="datetimeFigureOut">
               <a:rPr lang="en-US" smtClean="0"/>
-              <a:t>6/19/2023</a:t>
+              <a:t>7/29/2023</a:t>
             </a:fld>
             <a:endParaRPr lang="en-US"/>
           </a:p>
@@ -2761,7 +2761,7 @@
           <a:p>
             <a:fld id="{3A62DE47-5953-4315-91E3-B19830F018EF}" type="datetimeFigureOut">
               <a:rPr lang="en-US" smtClean="0"/>
-              <a:t>6/19/2023</a:t>
+              <a:t>7/29/2023</a:t>
             </a:fld>
             <a:endParaRPr lang="en-US"/>
           </a:p>
@@ -3050,7 +3050,7 @@
           <a:p>
             <a:fld id="{3A62DE47-5953-4315-91E3-B19830F018EF}" type="datetimeFigureOut">
               <a:rPr lang="en-US" smtClean="0"/>
-              <a:t>6/19/2023</a:t>
+              <a:t>7/29/2023</a:t>
             </a:fld>
             <a:endParaRPr lang="en-US"/>
           </a:p>
@@ -3261,7 +3261,7 @@
           <a:p>
             <a:fld id="{3A62DE47-5953-4315-91E3-B19830F018EF}" type="datetimeFigureOut">
               <a:rPr lang="en-US" smtClean="0"/>
-              <a:t>6/19/2023</a:t>
+              <a:t>7/29/2023</a:t>
             </a:fld>
             <a:endParaRPr lang="en-US"/>
           </a:p>
@@ -4121,6 +4121,13 @@
             <a:schemeClr val="lt1"/>
           </a:fontRef>
         </p:style>
+        <p:txBody>
+          <a:bodyPr/>
+          <a:lstStyle/>
+          <a:p>
+            <a:endParaRPr lang="zh-CN" altLang="en-US"/>
+          </a:p>
+        </p:txBody>
       </p:sp>
       <p:sp>
         <p:nvSpPr>
@@ -4175,6 +4182,13 @@
             <a:schemeClr val="lt1"/>
           </a:fontRef>
         </p:style>
+        <p:txBody>
+          <a:bodyPr/>
+          <a:lstStyle/>
+          <a:p>
+            <a:endParaRPr lang="zh-CN" altLang="en-US"/>
+          </a:p>
+        </p:txBody>
       </p:sp>
       <p:sp>
         <p:nvSpPr>
@@ -4229,6 +4243,13 @@
             <a:schemeClr val="lt1"/>
           </a:fontRef>
         </p:style>
+        <p:txBody>
+          <a:bodyPr/>
+          <a:lstStyle/>
+          <a:p>
+            <a:endParaRPr lang="zh-CN" altLang="en-US"/>
+          </a:p>
+        </p:txBody>
       </p:sp>
       <p:sp>
         <p:nvSpPr>
@@ -4283,6 +4304,13 @@
             <a:schemeClr val="lt1"/>
           </a:fontRef>
         </p:style>
+        <p:txBody>
+          <a:bodyPr/>
+          <a:lstStyle/>
+          <a:p>
+            <a:endParaRPr lang="zh-CN" altLang="en-US"/>
+          </a:p>
+        </p:txBody>
       </p:sp>
       <p:sp useBgFill="1">
         <p:nvSpPr>
